--- a/3. Spring 5.0 (Core, MVC, REST, Data JPA, Data REST)/Day 9/Slides/2. Integrating and Using Spring Data REST in an Application/getting-started-slides.pptx
+++ b/3. Spring 5.0 (Core, MVC, REST, Data JPA, Data REST)/Day 9/Slides/2. Integrating and Using Spring Data REST in an Application/getting-started-slides.pptx
@@ -2478,7 +2478,7 @@
         <p:spPr>
           <a:xfrm>
             <a:off x="1459659" y="7684296"/>
-            <a:ext cx="2001520" cy="421640"/>
+            <a:ext cx="2001520" cy="412750"/>
           </a:xfrm>
           <a:prstGeom prst="rect">
             <a:avLst/>
@@ -2499,53 +2499,18 @@
               </a:spcBef>
             </a:pPr>
             <a:r>
-              <a:rPr sz="2600" spc="150" dirty="0">
-                <a:latin typeface="Verdana" panose="020B0604030504040204"/>
-                <a:cs typeface="Verdana" panose="020B0604030504040204"/>
-              </a:rPr>
-              <a:t>P</a:t>
-            </a:r>
-            <a:r>
-              <a:rPr sz="2600" spc="40" dirty="0">
-                <a:latin typeface="Verdana" panose="020B0604030504040204"/>
-                <a:cs typeface="Verdana" panose="020B0604030504040204"/>
-              </a:rPr>
-              <a:t>o</a:t>
-            </a:r>
-            <a:r>
-              <a:rPr sz="2600" dirty="0">
-                <a:latin typeface="Verdana" panose="020B0604030504040204"/>
-                <a:cs typeface="Verdana" panose="020B0604030504040204"/>
-              </a:rPr>
-              <a:t>s</a:t>
-            </a:r>
-            <a:r>
-              <a:rPr sz="2600" dirty="0">
-                <a:latin typeface="Verdana" panose="020B0604030504040204"/>
-                <a:cs typeface="Verdana" panose="020B0604030504040204"/>
-              </a:rPr>
-              <a:t>t</a:t>
-            </a:r>
-            <a:r>
-              <a:rPr sz="2600" spc="50" dirty="0">
-                <a:latin typeface="Verdana" panose="020B0604030504040204"/>
-                <a:cs typeface="Verdana" panose="020B0604030504040204"/>
-              </a:rPr>
-              <a:t>g</a:t>
-            </a:r>
-            <a:r>
-              <a:rPr sz="2600" spc="-15" dirty="0">
-                <a:latin typeface="Verdana" panose="020B0604030504040204"/>
-                <a:cs typeface="Verdana" panose="020B0604030504040204"/>
-              </a:rPr>
-              <a:t>r</a:t>
+              <a:rPr lang="en-US" sz="2600" spc="55" dirty="0">
+                <a:latin typeface="Verdana" panose="020B0604030504040204"/>
+                <a:cs typeface="Verdana" panose="020B0604030504040204"/>
+              </a:rPr>
+              <a:t>My</a:t>
             </a:r>
             <a:r>
               <a:rPr sz="2600" spc="55" dirty="0">
                 <a:latin typeface="Verdana" panose="020B0604030504040204"/>
                 <a:cs typeface="Verdana" panose="020B0604030504040204"/>
               </a:rPr>
-              <a:t>eSQL</a:t>
+              <a:t>SQL</a:t>
             </a:r>
             <a:endParaRPr sz="2600">
               <a:latin typeface="Verdana" panose="020B0604030504040204"/>
